--- a/data/G7/3.pptx
+++ b/data/G7/3.pptx
@@ -3342,10 +3342,10 @@
       </p:grpSpPr>
       <p:sp>
         <p:nvSpPr>
-          <p:cNvPr id="2" name="文本框 1">
-            <a:extLst>
-              <a:ext uri="{FF2B5EF4-FFF2-40B4-BE49-F238E27FC236}">
-                <a16:creationId xmlns:a16="http://schemas.microsoft.com/office/drawing/2014/main" id="{DCB0FCD0-5D71-E042-99AF-165899D06E16}"/>
+          <p:cNvPr id="3" name="文本框 2">
+            <a:extLst>
+              <a:ext uri="{FF2B5EF4-FFF2-40B4-BE49-F238E27FC236}">
+                <a16:creationId xmlns:a16="http://schemas.microsoft.com/office/drawing/2014/main" id="{6B6E5599-B067-F846-8399-482A26C04750}"/>
               </a:ext>
             </a:extLst>
           </p:cNvPr>
@@ -3354,8 +3354,8 @@
         </p:nvSpPr>
         <p:spPr>
           <a:xfrm>
-            <a:off x="4876800" y="809297"/>
-            <a:ext cx="2957861" cy="923330"/>
+            <a:off x="2301766" y="1576552"/>
+            <a:ext cx="415498" cy="369332"/>
           </a:xfrm>
           <a:prstGeom prst="rect">
             <a:avLst/>
@@ -3370,21 +3370,691 @@
           <a:p>
             <a:r>
               <a:rPr lang="zh-CN" altLang="en-US" dirty="0"/>
-              <a:t>①②③④⑤⑥⑦⑧⑨⑩</a:t>
-            </a:r>
-            <a:br>
+              <a:t>①</a:t>
+            </a:r>
+            <a:endParaRPr kumimoji="1" lang="zh-CN" altLang="en-US" dirty="0"/>
+          </a:p>
+        </p:txBody>
+      </p:sp>
+      <p:sp>
+        <p:nvSpPr>
+          <p:cNvPr id="4" name="文本框 3">
+            <a:extLst>
+              <a:ext uri="{FF2B5EF4-FFF2-40B4-BE49-F238E27FC236}">
+                <a16:creationId xmlns:a16="http://schemas.microsoft.com/office/drawing/2014/main" id="{573B46B4-4740-8F43-8DF0-B59CF63F9C60}"/>
+              </a:ext>
+            </a:extLst>
+          </p:cNvPr>
+          <p:cNvSpPr txBox="1"/>
+          <p:nvPr/>
+        </p:nvSpPr>
+        <p:spPr>
+          <a:xfrm>
+            <a:off x="1229710" y="3731172"/>
+            <a:ext cx="415498" cy="369332"/>
+          </a:xfrm>
+          <a:prstGeom prst="rect">
+            <a:avLst/>
+          </a:prstGeom>
+          <a:noFill/>
+        </p:spPr>
+        <p:txBody>
+          <a:bodyPr wrap="none" rtlCol="0">
+            <a:spAutoFit/>
+          </a:bodyPr>
+          <a:lstStyle/>
+          <a:p>
+            <a:r>
               <a:rPr lang="zh-CN" altLang="en-US" dirty="0"/>
-            </a:br>
+              <a:t>②</a:t>
+            </a:r>
+            <a:endParaRPr kumimoji="1" lang="zh-CN" altLang="en-US" dirty="0"/>
+          </a:p>
+        </p:txBody>
+      </p:sp>
+      <p:sp>
+        <p:nvSpPr>
+          <p:cNvPr id="5" name="文本框 4">
+            <a:extLst>
+              <a:ext uri="{FF2B5EF4-FFF2-40B4-BE49-F238E27FC236}">
+                <a16:creationId xmlns:a16="http://schemas.microsoft.com/office/drawing/2014/main" id="{4C50B82D-D613-8647-8728-B4BCEEBE0E55}"/>
+              </a:ext>
+            </a:extLst>
+          </p:cNvPr>
+          <p:cNvSpPr txBox="1"/>
+          <p:nvPr/>
+        </p:nvSpPr>
+        <p:spPr>
+          <a:xfrm>
+            <a:off x="8807669" y="1418897"/>
+            <a:ext cx="415498" cy="369332"/>
+          </a:xfrm>
+          <a:prstGeom prst="rect">
+            <a:avLst/>
+          </a:prstGeom>
+          <a:noFill/>
+        </p:spPr>
+        <p:txBody>
+          <a:bodyPr wrap="none" rtlCol="0">
+            <a:spAutoFit/>
+          </a:bodyPr>
+          <a:lstStyle/>
+          <a:p>
             <a:r>
               <a:rPr lang="zh-CN" altLang="en-US" dirty="0"/>
-              <a:t>⑪⑫⑬⑭⑮⑯⑰⑱⑲⑳</a:t>
-            </a:r>
-            <a:br>
+              <a:t>③</a:t>
+            </a:r>
+            <a:endParaRPr kumimoji="1" lang="zh-CN" altLang="en-US" dirty="0"/>
+          </a:p>
+        </p:txBody>
+      </p:sp>
+      <p:sp>
+        <p:nvSpPr>
+          <p:cNvPr id="6" name="文本框 5">
+            <a:extLst>
+              <a:ext uri="{FF2B5EF4-FFF2-40B4-BE49-F238E27FC236}">
+                <a16:creationId xmlns:a16="http://schemas.microsoft.com/office/drawing/2014/main" id="{23A2F186-E077-3545-8998-25C1A299ACDE}"/>
+              </a:ext>
+            </a:extLst>
+          </p:cNvPr>
+          <p:cNvSpPr txBox="1"/>
+          <p:nvPr/>
+        </p:nvSpPr>
+        <p:spPr>
+          <a:xfrm>
+            <a:off x="11119945" y="4361793"/>
+            <a:ext cx="415498" cy="369332"/>
+          </a:xfrm>
+          <a:prstGeom prst="rect">
+            <a:avLst/>
+          </a:prstGeom>
+          <a:noFill/>
+        </p:spPr>
+        <p:txBody>
+          <a:bodyPr wrap="none" rtlCol="0">
+            <a:spAutoFit/>
+          </a:bodyPr>
+          <a:lstStyle/>
+          <a:p>
+            <a:r>
               <a:rPr lang="zh-CN" altLang="en-US" dirty="0"/>
-            </a:br>
+              <a:t>④</a:t>
+            </a:r>
+            <a:endParaRPr kumimoji="1" lang="zh-CN" altLang="en-US" dirty="0"/>
+          </a:p>
+        </p:txBody>
+      </p:sp>
+      <p:sp>
+        <p:nvSpPr>
+          <p:cNvPr id="7" name="文本框 6">
+            <a:extLst>
+              <a:ext uri="{FF2B5EF4-FFF2-40B4-BE49-F238E27FC236}">
+                <a16:creationId xmlns:a16="http://schemas.microsoft.com/office/drawing/2014/main" id="{DFE5AEC4-5AEF-F243-98F7-809AE3A12C5E}"/>
+              </a:ext>
+            </a:extLst>
+          </p:cNvPr>
+          <p:cNvSpPr txBox="1"/>
+          <p:nvPr/>
+        </p:nvSpPr>
+        <p:spPr>
+          <a:xfrm>
+            <a:off x="2837794" y="5202620"/>
+            <a:ext cx="415498" cy="369332"/>
+          </a:xfrm>
+          <a:prstGeom prst="rect">
+            <a:avLst/>
+          </a:prstGeom>
+          <a:noFill/>
+        </p:spPr>
+        <p:txBody>
+          <a:bodyPr wrap="none" rtlCol="0">
+            <a:spAutoFit/>
+          </a:bodyPr>
+          <a:lstStyle/>
+          <a:p>
             <a:r>
               <a:rPr lang="zh-CN" altLang="en-US" dirty="0"/>
-              <a:t>㉑㉒㉓㉔㉕㉖㉗㉘㉙㉚</a:t>
+              <a:t>⑤</a:t>
+            </a:r>
+            <a:endParaRPr kumimoji="1" lang="zh-CN" altLang="en-US" dirty="0"/>
+          </a:p>
+        </p:txBody>
+      </p:sp>
+      <p:sp>
+        <p:nvSpPr>
+          <p:cNvPr id="8" name="文本框 7">
+            <a:extLst>
+              <a:ext uri="{FF2B5EF4-FFF2-40B4-BE49-F238E27FC236}">
+                <a16:creationId xmlns:a16="http://schemas.microsoft.com/office/drawing/2014/main" id="{19840661-98C8-8249-8800-B87B51E9E85E}"/>
+              </a:ext>
+            </a:extLst>
+          </p:cNvPr>
+          <p:cNvSpPr txBox="1"/>
+          <p:nvPr/>
+        </p:nvSpPr>
+        <p:spPr>
+          <a:xfrm>
+            <a:off x="2509515" y="5486400"/>
+            <a:ext cx="415498" cy="369332"/>
+          </a:xfrm>
+          <a:prstGeom prst="rect">
+            <a:avLst/>
+          </a:prstGeom>
+          <a:noFill/>
+        </p:spPr>
+        <p:txBody>
+          <a:bodyPr wrap="none" rtlCol="0">
+            <a:spAutoFit/>
+          </a:bodyPr>
+          <a:lstStyle/>
+          <a:p>
+            <a:r>
+              <a:rPr lang="zh-CN" altLang="en-US" dirty="0"/>
+              <a:t>⑥</a:t>
+            </a:r>
+            <a:endParaRPr kumimoji="1" lang="zh-CN" altLang="en-US" dirty="0"/>
+          </a:p>
+        </p:txBody>
+      </p:sp>
+      <p:sp>
+        <p:nvSpPr>
+          <p:cNvPr id="9" name="文本框 8">
+            <a:extLst>
+              <a:ext uri="{FF2B5EF4-FFF2-40B4-BE49-F238E27FC236}">
+                <a16:creationId xmlns:a16="http://schemas.microsoft.com/office/drawing/2014/main" id="{C15C70C6-17F2-8F4E-ACDC-040711A03796}"/>
+              </a:ext>
+            </a:extLst>
+          </p:cNvPr>
+          <p:cNvSpPr txBox="1"/>
+          <p:nvPr/>
+        </p:nvSpPr>
+        <p:spPr>
+          <a:xfrm>
+            <a:off x="704193" y="3016469"/>
+            <a:ext cx="415498" cy="369332"/>
+          </a:xfrm>
+          <a:prstGeom prst="rect">
+            <a:avLst/>
+          </a:prstGeom>
+          <a:noFill/>
+        </p:spPr>
+        <p:txBody>
+          <a:bodyPr wrap="none" rtlCol="0">
+            <a:spAutoFit/>
+          </a:bodyPr>
+          <a:lstStyle/>
+          <a:p>
+            <a:r>
+              <a:rPr lang="zh-CN" altLang="en-US" dirty="0"/>
+              <a:t>⑦</a:t>
+            </a:r>
+            <a:endParaRPr kumimoji="1" lang="zh-CN" altLang="en-US" dirty="0"/>
+          </a:p>
+        </p:txBody>
+      </p:sp>
+      <p:sp>
+        <p:nvSpPr>
+          <p:cNvPr id="10" name="文本框 9">
+            <a:extLst>
+              <a:ext uri="{FF2B5EF4-FFF2-40B4-BE49-F238E27FC236}">
+                <a16:creationId xmlns:a16="http://schemas.microsoft.com/office/drawing/2014/main" id="{31D67322-DE2E-A041-A83B-57BF8AE50E52}"/>
+              </a:ext>
+            </a:extLst>
+          </p:cNvPr>
+          <p:cNvSpPr txBox="1"/>
+          <p:nvPr/>
+        </p:nvSpPr>
+        <p:spPr>
+          <a:xfrm>
+            <a:off x="11067393" y="3541986"/>
+            <a:ext cx="415498" cy="369332"/>
+          </a:xfrm>
+          <a:prstGeom prst="rect">
+            <a:avLst/>
+          </a:prstGeom>
+          <a:noFill/>
+        </p:spPr>
+        <p:txBody>
+          <a:bodyPr wrap="none" rtlCol="0">
+            <a:spAutoFit/>
+          </a:bodyPr>
+          <a:lstStyle/>
+          <a:p>
+            <a:r>
+              <a:rPr lang="zh-CN" altLang="en-US" dirty="0"/>
+              <a:t>⑧</a:t>
+            </a:r>
+            <a:endParaRPr kumimoji="1" lang="zh-CN" altLang="en-US" dirty="0"/>
+          </a:p>
+        </p:txBody>
+      </p:sp>
+      <p:sp>
+        <p:nvSpPr>
+          <p:cNvPr id="11" name="文本框 10">
+            <a:extLst>
+              <a:ext uri="{FF2B5EF4-FFF2-40B4-BE49-F238E27FC236}">
+                <a16:creationId xmlns:a16="http://schemas.microsoft.com/office/drawing/2014/main" id="{C4153E32-1D4C-324D-AE00-B8AE3A4C6DE8}"/>
+              </a:ext>
+            </a:extLst>
+          </p:cNvPr>
+          <p:cNvSpPr txBox="1"/>
+          <p:nvPr/>
+        </p:nvSpPr>
+        <p:spPr>
+          <a:xfrm>
+            <a:off x="8513379" y="1842251"/>
+            <a:ext cx="415498" cy="369332"/>
+          </a:xfrm>
+          <a:prstGeom prst="rect">
+            <a:avLst/>
+          </a:prstGeom>
+          <a:noFill/>
+        </p:spPr>
+        <p:txBody>
+          <a:bodyPr wrap="none" rtlCol="0">
+            <a:spAutoFit/>
+          </a:bodyPr>
+          <a:lstStyle/>
+          <a:p>
+            <a:r>
+              <a:rPr lang="zh-CN" altLang="en-US" dirty="0"/>
+              <a:t>⑨</a:t>
+            </a:r>
+            <a:endParaRPr kumimoji="1" lang="zh-CN" altLang="en-US" dirty="0"/>
+          </a:p>
+        </p:txBody>
+      </p:sp>
+      <p:sp>
+        <p:nvSpPr>
+          <p:cNvPr id="12" name="文本框 11">
+            <a:extLst>
+              <a:ext uri="{FF2B5EF4-FFF2-40B4-BE49-F238E27FC236}">
+                <a16:creationId xmlns:a16="http://schemas.microsoft.com/office/drawing/2014/main" id="{58FF9556-E7A6-7841-A559-E3E5047B01AC}"/>
+              </a:ext>
+            </a:extLst>
+          </p:cNvPr>
+          <p:cNvSpPr txBox="1"/>
+          <p:nvPr/>
+        </p:nvSpPr>
+        <p:spPr>
+          <a:xfrm>
+            <a:off x="922452" y="3325789"/>
+            <a:ext cx="415498" cy="369332"/>
+          </a:xfrm>
+          <a:prstGeom prst="rect">
+            <a:avLst/>
+          </a:prstGeom>
+          <a:noFill/>
+        </p:spPr>
+        <p:txBody>
+          <a:bodyPr wrap="none" rtlCol="0">
+            <a:spAutoFit/>
+          </a:bodyPr>
+          <a:lstStyle/>
+          <a:p>
+            <a:r>
+              <a:rPr lang="zh-CN" altLang="en-US" dirty="0"/>
+              <a:t>⑩</a:t>
+            </a:r>
+            <a:endParaRPr kumimoji="1" lang="zh-CN" altLang="en-US" dirty="0"/>
+          </a:p>
+        </p:txBody>
+      </p:sp>
+      <p:sp>
+        <p:nvSpPr>
+          <p:cNvPr id="13" name="文本框 12">
+            <a:extLst>
+              <a:ext uri="{FF2B5EF4-FFF2-40B4-BE49-F238E27FC236}">
+                <a16:creationId xmlns:a16="http://schemas.microsoft.com/office/drawing/2014/main" id="{8E45AB4F-B0C8-CE47-B6E6-0923DA52B516}"/>
+              </a:ext>
+            </a:extLst>
+          </p:cNvPr>
+          <p:cNvSpPr txBox="1"/>
+          <p:nvPr/>
+        </p:nvSpPr>
+        <p:spPr>
+          <a:xfrm>
+            <a:off x="767724" y="3201135"/>
+            <a:ext cx="461986" cy="369332"/>
+          </a:xfrm>
+          <a:prstGeom prst="rect">
+            <a:avLst/>
+          </a:prstGeom>
+          <a:noFill/>
+        </p:spPr>
+        <p:txBody>
+          <a:bodyPr wrap="none" rtlCol="0">
+            <a:spAutoFit/>
+          </a:bodyPr>
+          <a:lstStyle/>
+          <a:p>
+            <a:r>
+              <a:rPr lang="zh-CN" altLang="en-US" dirty="0"/>
+              <a:t>⑫</a:t>
+            </a:r>
+            <a:endParaRPr kumimoji="1" lang="zh-CN" altLang="en-US" dirty="0"/>
+          </a:p>
+        </p:txBody>
+      </p:sp>
+      <p:sp>
+        <p:nvSpPr>
+          <p:cNvPr id="14" name="文本框 13">
+            <a:extLst>
+              <a:ext uri="{FF2B5EF4-FFF2-40B4-BE49-F238E27FC236}">
+                <a16:creationId xmlns:a16="http://schemas.microsoft.com/office/drawing/2014/main" id="{A8924AC9-496E-ED48-8EBE-7BF63C813835}"/>
+              </a:ext>
+            </a:extLst>
+          </p:cNvPr>
+          <p:cNvSpPr txBox="1"/>
+          <p:nvPr/>
+        </p:nvSpPr>
+        <p:spPr>
+          <a:xfrm>
+            <a:off x="536731" y="4100504"/>
+            <a:ext cx="461986" cy="369332"/>
+          </a:xfrm>
+          <a:prstGeom prst="rect">
+            <a:avLst/>
+          </a:prstGeom>
+          <a:noFill/>
+        </p:spPr>
+        <p:txBody>
+          <a:bodyPr wrap="none" rtlCol="0">
+            <a:spAutoFit/>
+          </a:bodyPr>
+          <a:lstStyle/>
+          <a:p>
+            <a:r>
+              <a:rPr lang="zh-CN" altLang="en-US" dirty="0"/>
+              <a:t>⑭</a:t>
+            </a:r>
+            <a:endParaRPr kumimoji="1" lang="zh-CN" altLang="en-US" dirty="0"/>
+          </a:p>
+        </p:txBody>
+      </p:sp>
+      <p:sp>
+        <p:nvSpPr>
+          <p:cNvPr id="15" name="文本框 14">
+            <a:extLst>
+              <a:ext uri="{FF2B5EF4-FFF2-40B4-BE49-F238E27FC236}">
+                <a16:creationId xmlns:a16="http://schemas.microsoft.com/office/drawing/2014/main" id="{48E275C6-17A0-6E40-80C6-3926296D31D0}"/>
+              </a:ext>
+            </a:extLst>
+          </p:cNvPr>
+          <p:cNvSpPr txBox="1"/>
+          <p:nvPr/>
+        </p:nvSpPr>
+        <p:spPr>
+          <a:xfrm>
+            <a:off x="10951779" y="3132083"/>
+            <a:ext cx="461986" cy="369332"/>
+          </a:xfrm>
+          <a:prstGeom prst="rect">
+            <a:avLst/>
+          </a:prstGeom>
+          <a:noFill/>
+        </p:spPr>
+        <p:txBody>
+          <a:bodyPr wrap="none" rtlCol="0">
+            <a:spAutoFit/>
+          </a:bodyPr>
+          <a:lstStyle/>
+          <a:p>
+            <a:r>
+              <a:rPr lang="zh-CN" altLang="en-US" dirty="0"/>
+              <a:t>⑮</a:t>
+            </a:r>
+            <a:endParaRPr kumimoji="1" lang="zh-CN" altLang="en-US" dirty="0"/>
+          </a:p>
+        </p:txBody>
+      </p:sp>
+      <p:sp>
+        <p:nvSpPr>
+          <p:cNvPr id="16" name="文本框 15">
+            <a:extLst>
+              <a:ext uri="{FF2B5EF4-FFF2-40B4-BE49-F238E27FC236}">
+                <a16:creationId xmlns:a16="http://schemas.microsoft.com/office/drawing/2014/main" id="{31C2E92C-354C-2C4B-B10B-34B303332556}"/>
+              </a:ext>
+            </a:extLst>
+          </p:cNvPr>
+          <p:cNvSpPr txBox="1"/>
+          <p:nvPr/>
+        </p:nvSpPr>
+        <p:spPr>
+          <a:xfrm>
+            <a:off x="3030118" y="4918840"/>
+            <a:ext cx="461986" cy="369332"/>
+          </a:xfrm>
+          <a:prstGeom prst="rect">
+            <a:avLst/>
+          </a:prstGeom>
+          <a:noFill/>
+        </p:spPr>
+        <p:txBody>
+          <a:bodyPr wrap="none" rtlCol="0">
+            <a:spAutoFit/>
+          </a:bodyPr>
+          <a:lstStyle/>
+          <a:p>
+            <a:r>
+              <a:rPr lang="zh-CN" altLang="en-US" dirty="0"/>
+              <a:t>⑯</a:t>
+            </a:r>
+            <a:endParaRPr kumimoji="1" lang="zh-CN" altLang="en-US" dirty="0"/>
+          </a:p>
+        </p:txBody>
+      </p:sp>
+      <p:sp>
+        <p:nvSpPr>
+          <p:cNvPr id="17" name="文本框 16">
+            <a:extLst>
+              <a:ext uri="{FF2B5EF4-FFF2-40B4-BE49-F238E27FC236}">
+                <a16:creationId xmlns:a16="http://schemas.microsoft.com/office/drawing/2014/main" id="{7763358E-952C-A941-B6EC-542920A8AEE5}"/>
+              </a:ext>
+            </a:extLst>
+          </p:cNvPr>
+          <p:cNvSpPr txBox="1"/>
+          <p:nvPr/>
+        </p:nvSpPr>
+        <p:spPr>
+          <a:xfrm>
+            <a:off x="8660524" y="5034455"/>
+            <a:ext cx="415498" cy="369332"/>
+          </a:xfrm>
+          <a:prstGeom prst="rect">
+            <a:avLst/>
+          </a:prstGeom>
+          <a:noFill/>
+        </p:spPr>
+        <p:txBody>
+          <a:bodyPr wrap="none" rtlCol="0">
+            <a:spAutoFit/>
+          </a:bodyPr>
+          <a:lstStyle/>
+          <a:p>
+            <a:r>
+              <a:rPr lang="zh-CN" altLang="en-US" dirty="0"/>
+              <a:t>㉑</a:t>
+            </a:r>
+            <a:endParaRPr kumimoji="1" lang="zh-CN" altLang="en-US" dirty="0"/>
+          </a:p>
+        </p:txBody>
+      </p:sp>
+      <p:sp>
+        <p:nvSpPr>
+          <p:cNvPr id="18" name="文本框 17">
+            <a:extLst>
+              <a:ext uri="{FF2B5EF4-FFF2-40B4-BE49-F238E27FC236}">
+                <a16:creationId xmlns:a16="http://schemas.microsoft.com/office/drawing/2014/main" id="{4A89C39A-81B6-5D42-B4D7-4744F8C09084}"/>
+              </a:ext>
+            </a:extLst>
+          </p:cNvPr>
+          <p:cNvSpPr txBox="1"/>
+          <p:nvPr/>
+        </p:nvSpPr>
+        <p:spPr>
+          <a:xfrm>
+            <a:off x="10912196" y="3327260"/>
+            <a:ext cx="415498" cy="369332"/>
+          </a:xfrm>
+          <a:prstGeom prst="rect">
+            <a:avLst/>
+          </a:prstGeom>
+          <a:noFill/>
+        </p:spPr>
+        <p:txBody>
+          <a:bodyPr wrap="none" rtlCol="0">
+            <a:spAutoFit/>
+          </a:bodyPr>
+          <a:lstStyle/>
+          <a:p>
+            <a:r>
+              <a:rPr lang="zh-CN" altLang="en-US" dirty="0"/>
+              <a:t>㉒</a:t>
+            </a:r>
+            <a:endParaRPr kumimoji="1" lang="zh-CN" altLang="en-US" dirty="0"/>
+          </a:p>
+        </p:txBody>
+      </p:sp>
+      <p:sp>
+        <p:nvSpPr>
+          <p:cNvPr id="19" name="文本框 18">
+            <a:extLst>
+              <a:ext uri="{FF2B5EF4-FFF2-40B4-BE49-F238E27FC236}">
+                <a16:creationId xmlns:a16="http://schemas.microsoft.com/office/drawing/2014/main" id="{B50147FE-4D2E-8A4B-8CA4-06C46CA82D20}"/>
+              </a:ext>
+            </a:extLst>
+          </p:cNvPr>
+          <p:cNvSpPr txBox="1"/>
+          <p:nvPr/>
+        </p:nvSpPr>
+        <p:spPr>
+          <a:xfrm>
+            <a:off x="562198" y="4469836"/>
+            <a:ext cx="415498" cy="369332"/>
+          </a:xfrm>
+          <a:prstGeom prst="rect">
+            <a:avLst/>
+          </a:prstGeom>
+          <a:noFill/>
+        </p:spPr>
+        <p:txBody>
+          <a:bodyPr wrap="none" rtlCol="0">
+            <a:spAutoFit/>
+          </a:bodyPr>
+          <a:lstStyle/>
+          <a:p>
+            <a:r>
+              <a:rPr lang="zh-CN" altLang="en-US" dirty="0"/>
+              <a:t>㉓</a:t>
+            </a:r>
+            <a:endParaRPr kumimoji="1" lang="zh-CN" altLang="en-US" dirty="0"/>
+          </a:p>
+        </p:txBody>
+      </p:sp>
+      <p:sp>
+        <p:nvSpPr>
+          <p:cNvPr id="20" name="文本框 19">
+            <a:extLst>
+              <a:ext uri="{FF2B5EF4-FFF2-40B4-BE49-F238E27FC236}">
+                <a16:creationId xmlns:a16="http://schemas.microsoft.com/office/drawing/2014/main" id="{AF686E5A-0BAE-F34C-8C3B-CBDDBC2BC3FD}"/>
+              </a:ext>
+            </a:extLst>
+          </p:cNvPr>
+          <p:cNvSpPr txBox="1"/>
+          <p:nvPr/>
+        </p:nvSpPr>
+        <p:spPr>
+          <a:xfrm>
+            <a:off x="10342180" y="536027"/>
+            <a:ext cx="415498" cy="369332"/>
+          </a:xfrm>
+          <a:prstGeom prst="rect">
+            <a:avLst/>
+          </a:prstGeom>
+          <a:noFill/>
+        </p:spPr>
+        <p:txBody>
+          <a:bodyPr wrap="none" rtlCol="0">
+            <a:spAutoFit/>
+          </a:bodyPr>
+          <a:lstStyle/>
+          <a:p>
+            <a:r>
+              <a:rPr lang="zh-CN" altLang="en-US" dirty="0"/>
+              <a:t>㉔</a:t>
+            </a:r>
+            <a:endParaRPr kumimoji="1" lang="zh-CN" altLang="en-US" dirty="0"/>
+          </a:p>
+        </p:txBody>
+      </p:sp>
+      <p:sp>
+        <p:nvSpPr>
+          <p:cNvPr id="21" name="文本框 20">
+            <a:extLst>
+              <a:ext uri="{FF2B5EF4-FFF2-40B4-BE49-F238E27FC236}">
+                <a16:creationId xmlns:a16="http://schemas.microsoft.com/office/drawing/2014/main" id="{FE9B1B3B-8511-604E-A148-C1C3C034E2D2}"/>
+              </a:ext>
+            </a:extLst>
+          </p:cNvPr>
+          <p:cNvSpPr txBox="1"/>
+          <p:nvPr/>
+        </p:nvSpPr>
+        <p:spPr>
+          <a:xfrm>
+            <a:off x="1252954" y="3385801"/>
+            <a:ext cx="415498" cy="369332"/>
+          </a:xfrm>
+          <a:prstGeom prst="rect">
+            <a:avLst/>
+          </a:prstGeom>
+          <a:noFill/>
+        </p:spPr>
+        <p:txBody>
+          <a:bodyPr wrap="none" rtlCol="0">
+            <a:spAutoFit/>
+          </a:bodyPr>
+          <a:lstStyle/>
+          <a:p>
+            <a:r>
+              <a:rPr lang="zh-CN" altLang="en-US" dirty="0"/>
+              <a:t>㉕</a:t>
+            </a:r>
+            <a:endParaRPr kumimoji="1" lang="zh-CN" altLang="en-US" dirty="0"/>
+          </a:p>
+        </p:txBody>
+      </p:sp>
+      <p:sp>
+        <p:nvSpPr>
+          <p:cNvPr id="22" name="文本框 21">
+            <a:extLst>
+              <a:ext uri="{FF2B5EF4-FFF2-40B4-BE49-F238E27FC236}">
+                <a16:creationId xmlns:a16="http://schemas.microsoft.com/office/drawing/2014/main" id="{0CEB09BE-F8A9-4840-8641-8DB471983FC7}"/>
+              </a:ext>
+            </a:extLst>
+          </p:cNvPr>
+          <p:cNvSpPr txBox="1"/>
+          <p:nvPr/>
+        </p:nvSpPr>
+        <p:spPr>
+          <a:xfrm>
+            <a:off x="10826125" y="3541986"/>
+            <a:ext cx="415498" cy="369332"/>
+          </a:xfrm>
+          <a:prstGeom prst="rect">
+            <a:avLst/>
+          </a:prstGeom>
+          <a:noFill/>
+        </p:spPr>
+        <p:txBody>
+          <a:bodyPr wrap="none" rtlCol="0">
+            <a:spAutoFit/>
+          </a:bodyPr>
+          <a:lstStyle/>
+          <a:p>
+            <a:r>
+              <a:rPr lang="zh-CN" altLang="en-US" dirty="0"/>
+              <a:t>㉖</a:t>
             </a:r>
             <a:endParaRPr kumimoji="1" lang="zh-CN" altLang="en-US" dirty="0"/>
           </a:p>
